--- a/FFPM/FFPM 748.pptx
+++ b/FFPM/FFPM 748.pptx
@@ -10,6 +10,8 @@
     <p:sldId id="258" r:id="rId4"/>
     <p:sldId id="259" r:id="rId5"/>
     <p:sldId id="260" r:id="rId6"/>
+    <p:sldId id="261" r:id="rId7"/>
+    <p:sldId id="262" r:id="rId8"/>
   </p:sldIdLst>
   <p:sldSz cx="9144000" cy="5143500" type="screen16x9"/>
   <p:notesSz cx="6858000" cy="9144000"/>
@@ -108,6 +110,22 @@
       </a:defRPr>
     </a:lvl9pPr>
   </p:defaultTextStyle>
+  <p:extLst>
+    <p:ext uri="{EFAFB233-063F-42B5-8137-9DF3F51BA10A}">
+      <p15:sldGuideLst xmlns:p15="http://schemas.microsoft.com/office/powerpoint/2012/main">
+        <p15:guide id="1" orient="horz" pos="1620">
+          <p15:clr>
+            <a:srgbClr val="A4A3A4"/>
+          </p15:clr>
+        </p15:guide>
+        <p15:guide id="2" pos="2880">
+          <p15:clr>
+            <a:srgbClr val="A4A3A4"/>
+          </p15:clr>
+        </p15:guide>
+      </p15:sldGuideLst>
+    </p:ext>
+  </p:extLst>
 </p:presentation>
 </file>
 
@@ -149,10 +167,9 @@
           <a:lstStyle/>
           <a:p>
             <a:r>
-              <a:rPr lang="fr-FR" smtClean="0"/>
+              <a:rPr lang="fr-FR"/>
               <a:t>Modifiez le style du titre</a:t>
             </a:r>
-            <a:endParaRPr lang="fr-FR"/>
           </a:p>
         </p:txBody>
       </p:sp>
@@ -268,10 +285,9 @@
           </a:lstStyle>
           <a:p>
             <a:r>
-              <a:rPr lang="fr-FR" smtClean="0"/>
+              <a:rPr lang="fr-FR"/>
               <a:t>Modifiez le style des sous-titres du masque</a:t>
             </a:r>
-            <a:endParaRPr lang="fr-FR"/>
           </a:p>
         </p:txBody>
       </p:sp>
@@ -292,7 +308,7 @@
           <a:p>
             <a:fld id="{07ED7312-680C-47A3-A898-5E82F69898BF}" type="datetimeFigureOut">
               <a:rPr lang="fr-FR" smtClean="0"/>
-              <a:t>04/11/2014</a:t>
+              <a:t>14/01/2024</a:t>
             </a:fld>
             <a:endParaRPr lang="fr-FR"/>
           </a:p>
@@ -386,10 +402,9 @@
           <a:lstStyle/>
           <a:p>
             <a:r>
-              <a:rPr lang="fr-FR" smtClean="0"/>
+              <a:rPr lang="fr-FR"/>
               <a:t>Modifiez le style du titre</a:t>
             </a:r>
-            <a:endParaRPr lang="fr-FR"/>
           </a:p>
         </p:txBody>
       </p:sp>
@@ -410,38 +425,37 @@
           <a:p>
             <a:pPr lvl="0"/>
             <a:r>
-              <a:rPr lang="fr-FR" smtClean="0"/>
+              <a:rPr lang="fr-FR"/>
               <a:t>Modifiez les styles du texte du masque</a:t>
             </a:r>
           </a:p>
           <a:p>
             <a:pPr lvl="1"/>
             <a:r>
-              <a:rPr lang="fr-FR" smtClean="0"/>
+              <a:rPr lang="fr-FR"/>
               <a:t>Deuxième niveau</a:t>
             </a:r>
           </a:p>
           <a:p>
             <a:pPr lvl="2"/>
             <a:r>
-              <a:rPr lang="fr-FR" smtClean="0"/>
+              <a:rPr lang="fr-FR"/>
               <a:t>Troisième niveau</a:t>
             </a:r>
           </a:p>
           <a:p>
             <a:pPr lvl="3"/>
             <a:r>
-              <a:rPr lang="fr-FR" smtClean="0"/>
+              <a:rPr lang="fr-FR"/>
               <a:t>Quatrième niveau</a:t>
             </a:r>
           </a:p>
           <a:p>
             <a:pPr lvl="4"/>
             <a:r>
-              <a:rPr lang="fr-FR" smtClean="0"/>
+              <a:rPr lang="fr-FR"/>
               <a:t>Cinquième niveau</a:t>
             </a:r>
-            <a:endParaRPr lang="fr-FR"/>
           </a:p>
         </p:txBody>
       </p:sp>
@@ -462,7 +476,7 @@
           <a:p>
             <a:fld id="{07ED7312-680C-47A3-A898-5E82F69898BF}" type="datetimeFigureOut">
               <a:rPr lang="fr-FR" smtClean="0"/>
-              <a:t>04/11/2014</a:t>
+              <a:t>14/01/2024</a:t>
             </a:fld>
             <a:endParaRPr lang="fr-FR"/>
           </a:p>
@@ -561,10 +575,9 @@
           <a:lstStyle/>
           <a:p>
             <a:r>
-              <a:rPr lang="fr-FR" smtClean="0"/>
+              <a:rPr lang="fr-FR"/>
               <a:t>Modifiez le style du titre</a:t>
             </a:r>
-            <a:endParaRPr lang="fr-FR"/>
           </a:p>
         </p:txBody>
       </p:sp>
@@ -590,38 +603,37 @@
           <a:p>
             <a:pPr lvl="0"/>
             <a:r>
-              <a:rPr lang="fr-FR" smtClean="0"/>
+              <a:rPr lang="fr-FR"/>
               <a:t>Modifiez les styles du texte du masque</a:t>
             </a:r>
           </a:p>
           <a:p>
             <a:pPr lvl="1"/>
             <a:r>
-              <a:rPr lang="fr-FR" smtClean="0"/>
+              <a:rPr lang="fr-FR"/>
               <a:t>Deuxième niveau</a:t>
             </a:r>
           </a:p>
           <a:p>
             <a:pPr lvl="2"/>
             <a:r>
-              <a:rPr lang="fr-FR" smtClean="0"/>
+              <a:rPr lang="fr-FR"/>
               <a:t>Troisième niveau</a:t>
             </a:r>
           </a:p>
           <a:p>
             <a:pPr lvl="3"/>
             <a:r>
-              <a:rPr lang="fr-FR" smtClean="0"/>
+              <a:rPr lang="fr-FR"/>
               <a:t>Quatrième niveau</a:t>
             </a:r>
           </a:p>
           <a:p>
             <a:pPr lvl="4"/>
             <a:r>
-              <a:rPr lang="fr-FR" smtClean="0"/>
+              <a:rPr lang="fr-FR"/>
               <a:t>Cinquième niveau</a:t>
             </a:r>
-            <a:endParaRPr lang="fr-FR"/>
           </a:p>
         </p:txBody>
       </p:sp>
@@ -642,7 +654,7 @@
           <a:p>
             <a:fld id="{07ED7312-680C-47A3-A898-5E82F69898BF}" type="datetimeFigureOut">
               <a:rPr lang="fr-FR" smtClean="0"/>
-              <a:t>04/11/2014</a:t>
+              <a:t>14/01/2024</a:t>
             </a:fld>
             <a:endParaRPr lang="fr-FR"/>
           </a:p>
@@ -736,10 +748,9 @@
           <a:lstStyle/>
           <a:p>
             <a:r>
-              <a:rPr lang="fr-FR" smtClean="0"/>
+              <a:rPr lang="fr-FR"/>
               <a:t>Modifiez le style du titre</a:t>
             </a:r>
-            <a:endParaRPr lang="fr-FR"/>
           </a:p>
         </p:txBody>
       </p:sp>
@@ -760,38 +771,37 @@
           <a:p>
             <a:pPr lvl="0"/>
             <a:r>
-              <a:rPr lang="fr-FR" smtClean="0"/>
+              <a:rPr lang="fr-FR"/>
               <a:t>Modifiez les styles du texte du masque</a:t>
             </a:r>
           </a:p>
           <a:p>
             <a:pPr lvl="1"/>
             <a:r>
-              <a:rPr lang="fr-FR" smtClean="0"/>
+              <a:rPr lang="fr-FR"/>
               <a:t>Deuxième niveau</a:t>
             </a:r>
           </a:p>
           <a:p>
             <a:pPr lvl="2"/>
             <a:r>
-              <a:rPr lang="fr-FR" smtClean="0"/>
+              <a:rPr lang="fr-FR"/>
               <a:t>Troisième niveau</a:t>
             </a:r>
           </a:p>
           <a:p>
             <a:pPr lvl="3"/>
             <a:r>
-              <a:rPr lang="fr-FR" smtClean="0"/>
+              <a:rPr lang="fr-FR"/>
               <a:t>Quatrième niveau</a:t>
             </a:r>
           </a:p>
           <a:p>
             <a:pPr lvl="4"/>
             <a:r>
-              <a:rPr lang="fr-FR" smtClean="0"/>
+              <a:rPr lang="fr-FR"/>
               <a:t>Cinquième niveau</a:t>
             </a:r>
-            <a:endParaRPr lang="fr-FR"/>
           </a:p>
         </p:txBody>
       </p:sp>
@@ -812,7 +822,7 @@
           <a:p>
             <a:fld id="{07ED7312-680C-47A3-A898-5E82F69898BF}" type="datetimeFigureOut">
               <a:rPr lang="fr-FR" smtClean="0"/>
-              <a:t>04/11/2014</a:t>
+              <a:t>14/01/2024</a:t>
             </a:fld>
             <a:endParaRPr lang="fr-FR"/>
           </a:p>
@@ -915,10 +925,9 @@
           </a:lstStyle>
           <a:p>
             <a:r>
-              <a:rPr lang="fr-FR" smtClean="0"/>
+              <a:rPr lang="fr-FR"/>
               <a:t>Modifiez le style du titre</a:t>
             </a:r>
-            <a:endParaRPr lang="fr-FR"/>
           </a:p>
         </p:txBody>
       </p:sp>
@@ -1035,7 +1044,7 @@
           <a:p>
             <a:pPr lvl="0"/>
             <a:r>
-              <a:rPr lang="fr-FR" smtClean="0"/>
+              <a:rPr lang="fr-FR"/>
               <a:t>Modifiez les styles du texte du masque</a:t>
             </a:r>
           </a:p>
@@ -1058,7 +1067,7 @@
           <a:p>
             <a:fld id="{07ED7312-680C-47A3-A898-5E82F69898BF}" type="datetimeFigureOut">
               <a:rPr lang="fr-FR" smtClean="0"/>
-              <a:t>04/11/2014</a:t>
+              <a:t>14/01/2024</a:t>
             </a:fld>
             <a:endParaRPr lang="fr-FR"/>
           </a:p>
@@ -1152,10 +1161,9 @@
           <a:lstStyle/>
           <a:p>
             <a:r>
-              <a:rPr lang="fr-FR" smtClean="0"/>
+              <a:rPr lang="fr-FR"/>
               <a:t>Modifiez le style du titre</a:t>
             </a:r>
-            <a:endParaRPr lang="fr-FR"/>
           </a:p>
         </p:txBody>
       </p:sp>
@@ -1209,38 +1217,37 @@
           <a:p>
             <a:pPr lvl="0"/>
             <a:r>
-              <a:rPr lang="fr-FR" smtClean="0"/>
+              <a:rPr lang="fr-FR"/>
               <a:t>Modifiez les styles du texte du masque</a:t>
             </a:r>
           </a:p>
           <a:p>
             <a:pPr lvl="1"/>
             <a:r>
-              <a:rPr lang="fr-FR" smtClean="0"/>
+              <a:rPr lang="fr-FR"/>
               <a:t>Deuxième niveau</a:t>
             </a:r>
           </a:p>
           <a:p>
             <a:pPr lvl="2"/>
             <a:r>
-              <a:rPr lang="fr-FR" smtClean="0"/>
+              <a:rPr lang="fr-FR"/>
               <a:t>Troisième niveau</a:t>
             </a:r>
           </a:p>
           <a:p>
             <a:pPr lvl="3"/>
             <a:r>
-              <a:rPr lang="fr-FR" smtClean="0"/>
+              <a:rPr lang="fr-FR"/>
               <a:t>Quatrième niveau</a:t>
             </a:r>
           </a:p>
           <a:p>
             <a:pPr lvl="4"/>
             <a:r>
-              <a:rPr lang="fr-FR" smtClean="0"/>
+              <a:rPr lang="fr-FR"/>
               <a:t>Cinquième niveau</a:t>
             </a:r>
-            <a:endParaRPr lang="fr-FR"/>
           </a:p>
         </p:txBody>
       </p:sp>
@@ -1294,38 +1301,37 @@
           <a:p>
             <a:pPr lvl="0"/>
             <a:r>
-              <a:rPr lang="fr-FR" smtClean="0"/>
+              <a:rPr lang="fr-FR"/>
               <a:t>Modifiez les styles du texte du masque</a:t>
             </a:r>
           </a:p>
           <a:p>
             <a:pPr lvl="1"/>
             <a:r>
-              <a:rPr lang="fr-FR" smtClean="0"/>
+              <a:rPr lang="fr-FR"/>
               <a:t>Deuxième niveau</a:t>
             </a:r>
           </a:p>
           <a:p>
             <a:pPr lvl="2"/>
             <a:r>
-              <a:rPr lang="fr-FR" smtClean="0"/>
+              <a:rPr lang="fr-FR"/>
               <a:t>Troisième niveau</a:t>
             </a:r>
           </a:p>
           <a:p>
             <a:pPr lvl="3"/>
             <a:r>
-              <a:rPr lang="fr-FR" smtClean="0"/>
+              <a:rPr lang="fr-FR"/>
               <a:t>Quatrième niveau</a:t>
             </a:r>
           </a:p>
           <a:p>
             <a:pPr lvl="4"/>
             <a:r>
-              <a:rPr lang="fr-FR" smtClean="0"/>
+              <a:rPr lang="fr-FR"/>
               <a:t>Cinquième niveau</a:t>
             </a:r>
-            <a:endParaRPr lang="fr-FR"/>
           </a:p>
         </p:txBody>
       </p:sp>
@@ -1346,7 +1352,7 @@
           <a:p>
             <a:fld id="{07ED7312-680C-47A3-A898-5E82F69898BF}" type="datetimeFigureOut">
               <a:rPr lang="fr-FR" smtClean="0"/>
-              <a:t>04/11/2014</a:t>
+              <a:t>14/01/2024</a:t>
             </a:fld>
             <a:endParaRPr lang="fr-FR"/>
           </a:p>
@@ -1449,10 +1455,9 @@
           </a:lstStyle>
           <a:p>
             <a:r>
-              <a:rPr lang="fr-FR" smtClean="0"/>
+              <a:rPr lang="fr-FR"/>
               <a:t>Modifiez le style du titre</a:t>
             </a:r>
-            <a:endParaRPr lang="fr-FR"/>
           </a:p>
         </p:txBody>
       </p:sp>
@@ -1515,7 +1520,7 @@
           <a:p>
             <a:pPr lvl="0"/>
             <a:r>
-              <a:rPr lang="fr-FR" smtClean="0"/>
+              <a:rPr lang="fr-FR"/>
               <a:t>Modifiez les styles du texte du masque</a:t>
             </a:r>
           </a:p>
@@ -1571,38 +1576,37 @@
           <a:p>
             <a:pPr lvl="0"/>
             <a:r>
-              <a:rPr lang="fr-FR" smtClean="0"/>
+              <a:rPr lang="fr-FR"/>
               <a:t>Modifiez les styles du texte du masque</a:t>
             </a:r>
           </a:p>
           <a:p>
             <a:pPr lvl="1"/>
             <a:r>
-              <a:rPr lang="fr-FR" smtClean="0"/>
+              <a:rPr lang="fr-FR"/>
               <a:t>Deuxième niveau</a:t>
             </a:r>
           </a:p>
           <a:p>
             <a:pPr lvl="2"/>
             <a:r>
-              <a:rPr lang="fr-FR" smtClean="0"/>
+              <a:rPr lang="fr-FR"/>
               <a:t>Troisième niveau</a:t>
             </a:r>
           </a:p>
           <a:p>
             <a:pPr lvl="3"/>
             <a:r>
-              <a:rPr lang="fr-FR" smtClean="0"/>
+              <a:rPr lang="fr-FR"/>
               <a:t>Quatrième niveau</a:t>
             </a:r>
           </a:p>
           <a:p>
             <a:pPr lvl="4"/>
             <a:r>
-              <a:rPr lang="fr-FR" smtClean="0"/>
+              <a:rPr lang="fr-FR"/>
               <a:t>Cinquième niveau</a:t>
             </a:r>
-            <a:endParaRPr lang="fr-FR"/>
           </a:p>
         </p:txBody>
       </p:sp>
@@ -1665,7 +1669,7 @@
           <a:p>
             <a:pPr lvl="0"/>
             <a:r>
-              <a:rPr lang="fr-FR" smtClean="0"/>
+              <a:rPr lang="fr-FR"/>
               <a:t>Modifiez les styles du texte du masque</a:t>
             </a:r>
           </a:p>
@@ -1721,38 +1725,37 @@
           <a:p>
             <a:pPr lvl="0"/>
             <a:r>
-              <a:rPr lang="fr-FR" smtClean="0"/>
+              <a:rPr lang="fr-FR"/>
               <a:t>Modifiez les styles du texte du masque</a:t>
             </a:r>
           </a:p>
           <a:p>
             <a:pPr lvl="1"/>
             <a:r>
-              <a:rPr lang="fr-FR" smtClean="0"/>
+              <a:rPr lang="fr-FR"/>
               <a:t>Deuxième niveau</a:t>
             </a:r>
           </a:p>
           <a:p>
             <a:pPr lvl="2"/>
             <a:r>
-              <a:rPr lang="fr-FR" smtClean="0"/>
+              <a:rPr lang="fr-FR"/>
               <a:t>Troisième niveau</a:t>
             </a:r>
           </a:p>
           <a:p>
             <a:pPr lvl="3"/>
             <a:r>
-              <a:rPr lang="fr-FR" smtClean="0"/>
+              <a:rPr lang="fr-FR"/>
               <a:t>Quatrième niveau</a:t>
             </a:r>
           </a:p>
           <a:p>
             <a:pPr lvl="4"/>
             <a:r>
-              <a:rPr lang="fr-FR" smtClean="0"/>
+              <a:rPr lang="fr-FR"/>
               <a:t>Cinquième niveau</a:t>
             </a:r>
-            <a:endParaRPr lang="fr-FR"/>
           </a:p>
         </p:txBody>
       </p:sp>
@@ -1773,7 +1776,7 @@
           <a:p>
             <a:fld id="{07ED7312-680C-47A3-A898-5E82F69898BF}" type="datetimeFigureOut">
               <a:rPr lang="fr-FR" smtClean="0"/>
-              <a:t>04/11/2014</a:t>
+              <a:t>14/01/2024</a:t>
             </a:fld>
             <a:endParaRPr lang="fr-FR"/>
           </a:p>
@@ -1867,10 +1870,9 @@
           <a:lstStyle/>
           <a:p>
             <a:r>
-              <a:rPr lang="fr-FR" smtClean="0"/>
+              <a:rPr lang="fr-FR"/>
               <a:t>Modifiez le style du titre</a:t>
             </a:r>
-            <a:endParaRPr lang="fr-FR"/>
           </a:p>
         </p:txBody>
       </p:sp>
@@ -1891,7 +1893,7 @@
           <a:p>
             <a:fld id="{07ED7312-680C-47A3-A898-5E82F69898BF}" type="datetimeFigureOut">
               <a:rPr lang="fr-FR" smtClean="0"/>
-              <a:t>04/11/2014</a:t>
+              <a:t>14/01/2024</a:t>
             </a:fld>
             <a:endParaRPr lang="fr-FR"/>
           </a:p>
@@ -1986,7 +1988,7 @@
           <a:p>
             <a:fld id="{07ED7312-680C-47A3-A898-5E82F69898BF}" type="datetimeFigureOut">
               <a:rPr lang="fr-FR" smtClean="0"/>
-              <a:t>04/11/2014</a:t>
+              <a:t>14/01/2024</a:t>
             </a:fld>
             <a:endParaRPr lang="fr-FR"/>
           </a:p>
@@ -2089,10 +2091,9 @@
           </a:lstStyle>
           <a:p>
             <a:r>
-              <a:rPr lang="fr-FR" smtClean="0"/>
+              <a:rPr lang="fr-FR"/>
               <a:t>Modifiez le style du titre</a:t>
             </a:r>
-            <a:endParaRPr lang="fr-FR"/>
           </a:p>
         </p:txBody>
       </p:sp>
@@ -2146,38 +2147,37 @@
           <a:p>
             <a:pPr lvl="0"/>
             <a:r>
-              <a:rPr lang="fr-FR" smtClean="0"/>
+              <a:rPr lang="fr-FR"/>
               <a:t>Modifiez les styles du texte du masque</a:t>
             </a:r>
           </a:p>
           <a:p>
             <a:pPr lvl="1"/>
             <a:r>
-              <a:rPr lang="fr-FR" smtClean="0"/>
+              <a:rPr lang="fr-FR"/>
               <a:t>Deuxième niveau</a:t>
             </a:r>
           </a:p>
           <a:p>
             <a:pPr lvl="2"/>
             <a:r>
-              <a:rPr lang="fr-FR" smtClean="0"/>
+              <a:rPr lang="fr-FR"/>
               <a:t>Troisième niveau</a:t>
             </a:r>
           </a:p>
           <a:p>
             <a:pPr lvl="3"/>
             <a:r>
-              <a:rPr lang="fr-FR" smtClean="0"/>
+              <a:rPr lang="fr-FR"/>
               <a:t>Quatrième niveau</a:t>
             </a:r>
           </a:p>
           <a:p>
             <a:pPr lvl="4"/>
             <a:r>
-              <a:rPr lang="fr-FR" smtClean="0"/>
+              <a:rPr lang="fr-FR"/>
               <a:t>Cinquième niveau</a:t>
             </a:r>
-            <a:endParaRPr lang="fr-FR"/>
           </a:p>
         </p:txBody>
       </p:sp>
@@ -2240,7 +2240,7 @@
           <a:p>
             <a:pPr lvl="0"/>
             <a:r>
-              <a:rPr lang="fr-FR" smtClean="0"/>
+              <a:rPr lang="fr-FR"/>
               <a:t>Modifiez les styles du texte du masque</a:t>
             </a:r>
           </a:p>
@@ -2263,7 +2263,7 @@
           <a:p>
             <a:fld id="{07ED7312-680C-47A3-A898-5E82F69898BF}" type="datetimeFigureOut">
               <a:rPr lang="fr-FR" smtClean="0"/>
-              <a:t>04/11/2014</a:t>
+              <a:t>14/01/2024</a:t>
             </a:fld>
             <a:endParaRPr lang="fr-FR"/>
           </a:p>
@@ -2366,10 +2366,9 @@
           </a:lstStyle>
           <a:p>
             <a:r>
-              <a:rPr lang="fr-FR" smtClean="0"/>
+              <a:rPr lang="fr-FR"/>
               <a:t>Modifiez le style du titre</a:t>
             </a:r>
-            <a:endParaRPr lang="fr-FR"/>
           </a:p>
         </p:txBody>
       </p:sp>
@@ -2493,7 +2492,7 @@
           <a:p>
             <a:pPr lvl="0"/>
             <a:r>
-              <a:rPr lang="fr-FR" smtClean="0"/>
+              <a:rPr lang="fr-FR"/>
               <a:t>Modifiez les styles du texte du masque</a:t>
             </a:r>
           </a:p>
@@ -2516,7 +2515,7 @@
           <a:p>
             <a:fld id="{07ED7312-680C-47A3-A898-5E82F69898BF}" type="datetimeFigureOut">
               <a:rPr lang="fr-FR" smtClean="0"/>
-              <a:t>04/11/2014</a:t>
+              <a:t>14/01/2024</a:t>
             </a:fld>
             <a:endParaRPr lang="fr-FR"/>
           </a:p>
@@ -2625,10 +2624,9 @@
           <a:lstStyle/>
           <a:p>
             <a:r>
-              <a:rPr lang="fr-FR" smtClean="0"/>
+              <a:rPr lang="fr-FR"/>
               <a:t>Modifiez le style du titre</a:t>
             </a:r>
-            <a:endParaRPr lang="fr-FR"/>
           </a:p>
         </p:txBody>
       </p:sp>
@@ -2659,38 +2657,37 @@
           <a:p>
             <a:pPr lvl="0"/>
             <a:r>
-              <a:rPr lang="fr-FR" smtClean="0"/>
+              <a:rPr lang="fr-FR"/>
               <a:t>Modifiez les styles du texte du masque</a:t>
             </a:r>
           </a:p>
           <a:p>
             <a:pPr lvl="1"/>
             <a:r>
-              <a:rPr lang="fr-FR" smtClean="0"/>
+              <a:rPr lang="fr-FR"/>
               <a:t>Deuxième niveau</a:t>
             </a:r>
           </a:p>
           <a:p>
             <a:pPr lvl="2"/>
             <a:r>
-              <a:rPr lang="fr-FR" smtClean="0"/>
+              <a:rPr lang="fr-FR"/>
               <a:t>Troisième niveau</a:t>
             </a:r>
           </a:p>
           <a:p>
             <a:pPr lvl="3"/>
             <a:r>
-              <a:rPr lang="fr-FR" smtClean="0"/>
+              <a:rPr lang="fr-FR"/>
               <a:t>Quatrième niveau</a:t>
             </a:r>
           </a:p>
           <a:p>
             <a:pPr lvl="4"/>
             <a:r>
-              <a:rPr lang="fr-FR" smtClean="0"/>
+              <a:rPr lang="fr-FR"/>
               <a:t>Cinquième niveau</a:t>
             </a:r>
-            <a:endParaRPr lang="fr-FR"/>
           </a:p>
         </p:txBody>
       </p:sp>
@@ -2729,7 +2726,7 @@
           <a:p>
             <a:fld id="{07ED7312-680C-47A3-A898-5E82F69898BF}" type="datetimeFigureOut">
               <a:rPr lang="fr-FR" smtClean="0"/>
-              <a:t>04/11/2014</a:t>
+              <a:t>14/01/2024</a:t>
             </a:fld>
             <a:endParaRPr lang="fr-FR"/>
           </a:p>
@@ -3127,10 +3124,9 @@
           <a:lstStyle/>
           <a:p>
             <a:r>
-              <a:rPr lang="fr-FR" sz="19900" b="1" dirty="0" smtClean="0"/>
+              <a:rPr lang="fr-FR" sz="19900" b="1" dirty="0"/>
               <a:t>748</a:t>
             </a:r>
-            <a:endParaRPr lang="fr-FR" sz="19900" b="1" dirty="0"/>
           </a:p>
         </p:txBody>
       </p:sp>
@@ -3206,7 +3202,7 @@
           <a:lstStyle/>
           <a:p>
             <a:r>
-              <a:rPr lang="en-GB" sz="6600" b="1" dirty="0" smtClean="0">
+              <a:rPr lang="en-GB" sz="6600" b="1" dirty="0">
                 <a:solidFill>
                   <a:srgbClr val="FF0000"/>
                 </a:solidFill>
@@ -3229,10 +3225,6 @@
               <a:rPr lang="en-GB" sz="6600" b="1" dirty="0"/>
               <a:t> ô !</a:t>
             </a:r>
-            <a:r>
-              <a:rPr lang="fr-FR" sz="6600" b="1" dirty="0"/>
-              <a:t/>
-            </a:r>
             <a:br>
               <a:rPr lang="fr-FR" sz="6600" b="1" dirty="0"/>
             </a:br>
@@ -3260,10 +3252,6 @@
               <a:rPr lang="en-GB" sz="6600" b="1" dirty="0" err="1"/>
               <a:t>izao</a:t>
             </a:r>
-            <a:r>
-              <a:rPr lang="fr-FR" sz="6600" b="1" dirty="0"/>
-              <a:t/>
-            </a:r>
             <a:br>
               <a:rPr lang="fr-FR" sz="6600" b="1" dirty="0"/>
             </a:br>
@@ -3314,10 +3302,6 @@
             <a:r>
               <a:rPr lang="en-GB" sz="6600" b="1" dirty="0" err="1"/>
               <a:t>ao</a:t>
-            </a:r>
-            <a:r>
-              <a:rPr lang="fr-FR" sz="6600" b="1" dirty="0"/>
-              <a:t/>
             </a:r>
             <a:br>
               <a:rPr lang="fr-FR" sz="6600" b="1" dirty="0"/>
@@ -3418,10 +3402,6 @@
               <a:rPr lang="en-GB" sz="6600" b="1" dirty="0" err="1"/>
               <a:t>Mpanasoa</a:t>
             </a:r>
-            <a:r>
-              <a:rPr lang="fr-FR" sz="6600" b="1" dirty="0"/>
-              <a:t/>
-            </a:r>
             <a:br>
               <a:rPr lang="fr-FR" sz="6600" b="1" dirty="0"/>
             </a:br>
@@ -3441,10 +3421,6 @@
               <a:rPr lang="en-GB" sz="6600" b="1" dirty="0" err="1"/>
               <a:t>avokoa</a:t>
             </a:r>
-            <a:r>
-              <a:rPr lang="fr-FR" sz="6600" b="1" dirty="0"/>
-              <a:t/>
-            </a:r>
             <a:br>
               <a:rPr lang="fr-FR" sz="6600" b="1" dirty="0"/>
             </a:br>
@@ -3483,10 +3459,6 @@
             <a:r>
               <a:rPr lang="en-GB" sz="6600" b="1" dirty="0"/>
               <a:t> re</a:t>
-            </a:r>
-            <a:r>
-              <a:rPr lang="fr-FR" sz="6600" b="1" dirty="0"/>
-              <a:t/>
             </a:r>
             <a:br>
               <a:rPr lang="fr-FR" sz="6600" b="1" dirty="0"/>
@@ -3576,7 +3548,7 @@
           <a:lstStyle/>
           <a:p>
             <a:r>
-              <a:rPr lang="en-GB" sz="6600" b="1" dirty="0" smtClean="0">
+              <a:rPr lang="en-GB" sz="6600" b="1" dirty="0">
                 <a:solidFill>
                   <a:srgbClr val="FF0000"/>
                 </a:solidFill>
@@ -3607,10 +3579,6 @@
               <a:rPr lang="en-GB" sz="6600" b="1" dirty="0" err="1"/>
               <a:t>vaovao</a:t>
             </a:r>
-            <a:r>
-              <a:rPr lang="fr-FR" sz="6600" b="1" dirty="0"/>
-              <a:t/>
-            </a:r>
             <a:br>
               <a:rPr lang="fr-FR" sz="6600" b="1" dirty="0"/>
             </a:br>
@@ -3630,10 +3598,6 @@
               <a:rPr lang="en-GB" sz="6600" b="1" dirty="0" err="1"/>
               <a:t>izao</a:t>
             </a:r>
-            <a:r>
-              <a:rPr lang="fr-FR" sz="6600" b="1" dirty="0"/>
-              <a:t/>
-            </a:r>
             <a:br>
               <a:rPr lang="fr-FR" sz="6600" b="1" dirty="0"/>
             </a:br>
@@ -3652,10 +3616,6 @@
             <a:r>
               <a:rPr lang="en-GB" sz="6600" b="1" dirty="0" err="1"/>
               <a:t>fanavaozan-dehibe</a:t>
-            </a:r>
-            <a:r>
-              <a:rPr lang="fr-FR" sz="6600" b="1" dirty="0"/>
-              <a:t/>
             </a:r>
             <a:br>
               <a:rPr lang="fr-FR" sz="6600" b="1" dirty="0"/>
@@ -3764,10 +3724,6 @@
               <a:rPr lang="en-GB" sz="6600" b="1" dirty="0" err="1"/>
               <a:t>fiainanay</a:t>
             </a:r>
-            <a:r>
-              <a:rPr lang="fr-FR" sz="6600" b="1" dirty="0"/>
-              <a:t/>
-            </a:r>
             <a:br>
               <a:rPr lang="fr-FR" sz="6600" b="1" dirty="0"/>
             </a:br>
@@ -3803,10 +3759,6 @@
               <a:rPr lang="en-GB" sz="6600" b="1" dirty="0"/>
               <a:t>,</a:t>
             </a:r>
-            <a:r>
-              <a:rPr lang="fr-FR" sz="6600" b="1" dirty="0"/>
-              <a:t/>
-            </a:r>
             <a:br>
               <a:rPr lang="fr-FR" sz="6600" b="1" dirty="0"/>
             </a:br>
@@ -3833,10 +3785,6 @@
             <a:r>
               <a:rPr lang="en-GB" sz="6600" b="1" dirty="0" err="1"/>
               <a:t>anio</a:t>
-            </a:r>
-            <a:r>
-              <a:rPr lang="fr-FR" sz="6600" b="1" dirty="0"/>
-              <a:t/>
             </a:r>
             <a:br>
               <a:rPr lang="fr-FR" sz="6600" b="1" dirty="0"/>
@@ -3885,6 +3833,280 @@
     <p:extLst>
       <p:ext uri="{BB962C8B-B14F-4D97-AF65-F5344CB8AC3E}">
         <p14:creationId xmlns:p14="http://schemas.microsoft.com/office/powerpoint/2010/main" val="3147436583"/>
+      </p:ext>
+    </p:extLst>
+  </p:cSld>
+  <p:clrMapOvr>
+    <a:masterClrMapping/>
+  </p:clrMapOvr>
+</p:sld>
+</file>
+
+<file path=ppt/slides/slide6.xml><?xml version="1.0" encoding="utf-8"?>
+<p:sld xmlns:a="http://schemas.openxmlformats.org/drawingml/2006/main" xmlns:r="http://schemas.openxmlformats.org/officeDocument/2006/relationships" xmlns:p="http://schemas.openxmlformats.org/presentationml/2006/main">
+  <p:cSld>
+    <p:spTree>
+      <p:nvGrpSpPr>
+        <p:cNvPr id="1" name=""/>
+        <p:cNvGrpSpPr/>
+        <p:nvPr/>
+      </p:nvGrpSpPr>
+      <p:grpSpPr>
+        <a:xfrm>
+          <a:off x="0" y="0"/>
+          <a:ext cx="0" cy="0"/>
+          <a:chOff x="0" y="0"/>
+          <a:chExt cx="0" cy="0"/>
+        </a:xfrm>
+      </p:grpSpPr>
+      <p:sp>
+        <p:nvSpPr>
+          <p:cNvPr id="2" name="Titre 1"/>
+          <p:cNvSpPr>
+            <a:spLocks noGrp="1"/>
+          </p:cNvSpPr>
+          <p:nvPr>
+            <p:ph type="ctrTitle"/>
+          </p:nvPr>
+        </p:nvSpPr>
+        <p:spPr>
+          <a:xfrm>
+            <a:off x="0" y="1885851"/>
+            <a:ext cx="9144000" cy="1045939"/>
+          </a:xfrm>
+        </p:spPr>
+        <p:txBody>
+          <a:bodyPr>
+            <a:noAutofit/>
+          </a:bodyPr>
+          <a:lstStyle/>
+          <a:p>
+            <a:r>
+              <a:rPr lang="en-GB" sz="6600" b="1" dirty="0">
+                <a:solidFill>
+                  <a:srgbClr val="FF0000"/>
+                </a:solidFill>
+              </a:rPr>
+              <a:t>3) </a:t>
+            </a:r>
+            <a:r>
+              <a:rPr lang="en-GB" sz="6600" b="1" dirty="0" err="1"/>
+              <a:t>Havaozy</a:t>
+            </a:r>
+            <a:r>
+              <a:rPr lang="en-GB" sz="6600" b="1" dirty="0"/>
+              <a:t>, </a:t>
+            </a:r>
+            <a:r>
+              <a:rPr lang="en-GB" sz="6600" b="1" dirty="0" err="1"/>
+              <a:t>Tompo</a:t>
+            </a:r>
+            <a:r>
+              <a:rPr lang="en-GB" sz="6600" b="1" dirty="0"/>
+              <a:t> ô !</a:t>
+            </a:r>
+            <a:br>
+              <a:rPr lang="fr-FR" sz="6600" b="1" dirty="0"/>
+            </a:br>
+            <a:r>
+              <a:rPr lang="en-GB" sz="6600" b="1" dirty="0"/>
+              <a:t>    Ny </a:t>
+            </a:r>
+            <a:r>
+              <a:rPr lang="en-GB" sz="6600" b="1" dirty="0" err="1"/>
+              <a:t>Fiangonanao</a:t>
+            </a:r>
+            <a:br>
+              <a:rPr lang="fr-FR" sz="6600" b="1" dirty="0"/>
+            </a:br>
+            <a:r>
+              <a:rPr lang="en-GB" sz="6600" b="1" dirty="0"/>
+              <a:t>   O! </a:t>
+            </a:r>
+            <a:r>
+              <a:rPr lang="en-GB" sz="6600" b="1" dirty="0" err="1"/>
+              <a:t>akambano</a:t>
+            </a:r>
+            <a:r>
+              <a:rPr lang="en-GB" sz="6600" b="1" dirty="0"/>
+              <a:t> </a:t>
+            </a:r>
+            <a:r>
+              <a:rPr lang="en-GB" sz="6600" b="1" dirty="0" err="1"/>
+              <a:t>ho</a:t>
+            </a:r>
+            <a:r>
+              <a:rPr lang="en-GB" sz="6600" b="1" dirty="0"/>
+              <a:t> </a:t>
+            </a:r>
+            <a:r>
+              <a:rPr lang="en-GB" sz="6600" b="1" dirty="0" err="1"/>
+              <a:t>iray</a:t>
+            </a:r>
+            <a:br>
+              <a:rPr lang="fr-FR" sz="6600" b="1" dirty="0"/>
+            </a:br>
+            <a:r>
+              <a:rPr lang="en-GB" sz="6600" b="1" dirty="0"/>
+              <a:t>    </a:t>
+            </a:r>
+            <a:r>
+              <a:rPr lang="en-GB" sz="6600" b="1" dirty="0" err="1"/>
+              <a:t>Hiray</a:t>
+            </a:r>
+            <a:r>
+              <a:rPr lang="en-GB" sz="6600" b="1" dirty="0"/>
+              <a:t> </a:t>
+            </a:r>
+            <a:r>
+              <a:rPr lang="en-GB" sz="6600" b="1" dirty="0" err="1"/>
+              <a:t>mandrakizay</a:t>
+            </a:r>
+            <a:r>
+              <a:rPr lang="en-GB" sz="6600" b="1" dirty="0"/>
+              <a:t>.</a:t>
+            </a:r>
+            <a:endParaRPr lang="fr-FR" sz="6600" b="1" dirty="0"/>
+          </a:p>
+        </p:txBody>
+      </p:sp>
+    </p:spTree>
+    <p:extLst>
+      <p:ext uri="{BB962C8B-B14F-4D97-AF65-F5344CB8AC3E}">
+        <p14:creationId xmlns:p14="http://schemas.microsoft.com/office/powerpoint/2010/main" val="70966659"/>
+      </p:ext>
+    </p:extLst>
+  </p:cSld>
+  <p:clrMapOvr>
+    <a:masterClrMapping/>
+  </p:clrMapOvr>
+</p:sld>
+</file>
+
+<file path=ppt/slides/slide7.xml><?xml version="1.0" encoding="utf-8"?>
+<p:sld xmlns:a="http://schemas.openxmlformats.org/drawingml/2006/main" xmlns:r="http://schemas.openxmlformats.org/officeDocument/2006/relationships" xmlns:p="http://schemas.openxmlformats.org/presentationml/2006/main">
+  <p:cSld>
+    <p:spTree>
+      <p:nvGrpSpPr>
+        <p:cNvPr id="1" name=""/>
+        <p:cNvGrpSpPr/>
+        <p:nvPr/>
+      </p:nvGrpSpPr>
+      <p:grpSpPr>
+        <a:xfrm>
+          <a:off x="0" y="0"/>
+          <a:ext cx="0" cy="0"/>
+          <a:chOff x="0" y="0"/>
+          <a:chExt cx="0" cy="0"/>
+        </a:xfrm>
+      </p:grpSpPr>
+      <p:sp>
+        <p:nvSpPr>
+          <p:cNvPr id="2" name="Titre 1"/>
+          <p:cNvSpPr>
+            <a:spLocks noGrp="1"/>
+          </p:cNvSpPr>
+          <p:nvPr>
+            <p:ph type="ctrTitle"/>
+          </p:nvPr>
+        </p:nvSpPr>
+        <p:spPr>
+          <a:xfrm>
+            <a:off x="0" y="1885851"/>
+            <a:ext cx="9144000" cy="1045939"/>
+          </a:xfrm>
+        </p:spPr>
+        <p:txBody>
+          <a:bodyPr>
+            <a:noAutofit/>
+          </a:bodyPr>
+          <a:lstStyle/>
+          <a:p>
+            <a:r>
+              <a:rPr lang="en-GB" sz="6600" b="1" dirty="0"/>
+              <a:t>Ry </a:t>
+            </a:r>
+            <a:r>
+              <a:rPr lang="en-GB" sz="6600" b="1" dirty="0" err="1"/>
+              <a:t>Tompo</a:t>
+            </a:r>
+            <a:r>
+              <a:rPr lang="en-GB" sz="6600" b="1" dirty="0"/>
+              <a:t> be </a:t>
+            </a:r>
+            <a:r>
+              <a:rPr lang="en-GB" sz="6600" b="1" dirty="0" err="1"/>
+              <a:t>fitia</a:t>
+            </a:r>
+            <a:r>
+              <a:rPr lang="en-GB" sz="6600" b="1" dirty="0"/>
+              <a:t>,</a:t>
+            </a:r>
+            <a:br>
+              <a:rPr lang="fr-FR" sz="6600" b="1" dirty="0"/>
+            </a:br>
+            <a:r>
+              <a:rPr lang="en-GB" sz="6600" b="1" dirty="0"/>
+              <a:t>    </a:t>
+            </a:r>
+            <a:r>
+              <a:rPr lang="en-GB" sz="6600" b="1" dirty="0" err="1"/>
+              <a:t>Tongava</a:t>
+            </a:r>
+            <a:r>
+              <a:rPr lang="en-GB" sz="6600" b="1" dirty="0"/>
+              <a:t>, </a:t>
+            </a:r>
+            <a:r>
+              <a:rPr lang="en-GB" sz="6600" b="1" dirty="0" err="1"/>
+              <a:t>mamangia</a:t>
+            </a:r>
+            <a:br>
+              <a:rPr lang="fr-FR" sz="6600" b="1" dirty="0"/>
+            </a:br>
+            <a:r>
+              <a:rPr lang="en-GB" sz="6600" b="1" dirty="0"/>
+              <a:t>   </a:t>
+            </a:r>
+            <a:r>
+              <a:rPr lang="en-GB" sz="6600" b="1" dirty="0" err="1"/>
+              <a:t>Mba</a:t>
+            </a:r>
+            <a:r>
+              <a:rPr lang="en-GB" sz="6600" b="1" dirty="0"/>
+              <a:t> </a:t>
+            </a:r>
+            <a:r>
+              <a:rPr lang="en-GB" sz="6600" b="1" dirty="0" err="1"/>
+              <a:t>tanteraho</a:t>
+            </a:r>
+            <a:r>
+              <a:rPr lang="en-GB" sz="6600" b="1" dirty="0"/>
+              <a:t> </a:t>
+            </a:r>
+            <a:r>
+              <a:rPr lang="en-GB" sz="6600" b="1" dirty="0" err="1"/>
+              <a:t>aminay</a:t>
+            </a:r>
+            <a:br>
+              <a:rPr lang="fr-FR" sz="6600" b="1" dirty="0"/>
+            </a:br>
+            <a:r>
+              <a:rPr lang="en-GB" sz="6600" b="1" dirty="0"/>
+              <a:t>   Ny </a:t>
+            </a:r>
+            <a:r>
+              <a:rPr lang="en-GB" sz="6600" b="1"/>
+              <a:t>fanavaozanao.</a:t>
+            </a:r>
+            <a:endParaRPr lang="fr-FR" sz="6600" b="1" dirty="0"/>
+          </a:p>
+        </p:txBody>
+      </p:sp>
+    </p:spTree>
+    <p:extLst>
+      <p:ext uri="{BB962C8B-B14F-4D97-AF65-F5344CB8AC3E}">
+        <p14:creationId xmlns:p14="http://schemas.microsoft.com/office/powerpoint/2010/main" val="2609471060"/>
       </p:ext>
     </p:extLst>
   </p:cSld>
